--- a/MLH-generator.pptx
+++ b/MLH-generator.pptx
@@ -5,11 +5,12 @@
     <p:sldMasterId id="2147483648" r:id="rId1"/>
   </p:sldMasterIdLst>
   <p:notesMasterIdLst>
-    <p:notesMasterId r:id="rId4"/>
+    <p:notesMasterId r:id="rId5"/>
   </p:notesMasterIdLst>
   <p:sldIdLst>
     <p:sldId id="256" r:id="rId2"/>
     <p:sldId id="257" r:id="rId3"/>
+    <p:sldId id="258" r:id="rId4"/>
   </p:sldIdLst>
   <p:sldSz cx="12192000" cy="6858000"/>
   <p:notesSz cx="6858000" cy="9144000"/>
@@ -10056,7 +10057,7 @@
             <a:lstStyle/>
             <a:p>
               <a:pPr algn="ctr"/>
-              <a:endParaRPr lang="en-US"/>
+              <a:endParaRPr lang="en-US" dirty="0"/>
             </a:p>
           </p:txBody>
         </p:sp>
@@ -10065,6 +10066,141 @@
     <p:extLst>
       <p:ext uri="{BB962C8B-B14F-4D97-AF65-F5344CB8AC3E}">
         <p14:creationId xmlns:p14="http://schemas.microsoft.com/office/powerpoint/2010/main" val="3809124926"/>
+      </p:ext>
+    </p:extLst>
+  </p:cSld>
+  <p:clrMapOvr>
+    <a:masterClrMapping/>
+  </p:clrMapOvr>
+</p:sld>
+</file>
+
+<file path=ppt/slides/slide3.xml><?xml version="1.0" encoding="utf-8"?>
+<p:sld xmlns:a="http://schemas.openxmlformats.org/drawingml/2006/main" xmlns:r="http://schemas.openxmlformats.org/officeDocument/2006/relationships" xmlns:p="http://schemas.openxmlformats.org/presentationml/2006/main">
+  <p:cSld>
+    <p:spTree>
+      <p:nvGrpSpPr>
+        <p:cNvPr id="1" name=""/>
+        <p:cNvGrpSpPr/>
+        <p:nvPr/>
+      </p:nvGrpSpPr>
+      <p:grpSpPr>
+        <a:xfrm>
+          <a:off x="0" y="0"/>
+          <a:ext cx="0" cy="0"/>
+          <a:chOff x="0" y="0"/>
+          <a:chExt cx="0" cy="0"/>
+        </a:xfrm>
+      </p:grpSpPr>
+      <p:grpSp>
+        <p:nvGrpSpPr>
+          <p:cNvPr id="7" name="Group 6">
+            <a:extLst>
+              <a:ext uri="{FF2B5EF4-FFF2-40B4-BE49-F238E27FC236}">
+                <a16:creationId xmlns:a16="http://schemas.microsoft.com/office/drawing/2014/main" id="{B04E5F74-EC8B-4B03-AA3E-92A6E175F009}"/>
+              </a:ext>
+            </a:extLst>
+          </p:cNvPr>
+          <p:cNvGrpSpPr/>
+          <p:nvPr/>
+        </p:nvGrpSpPr>
+        <p:grpSpPr>
+          <a:xfrm>
+            <a:off x="473080" y="321173"/>
+            <a:ext cx="10736173" cy="5915851"/>
+            <a:chOff x="473080" y="321173"/>
+            <a:chExt cx="10736173" cy="5915851"/>
+          </a:xfrm>
+        </p:grpSpPr>
+        <p:pic>
+          <p:nvPicPr>
+            <p:cNvPr id="3" name="Picture 2">
+              <a:extLst>
+                <a:ext uri="{FF2B5EF4-FFF2-40B4-BE49-F238E27FC236}">
+                  <a16:creationId xmlns:a16="http://schemas.microsoft.com/office/drawing/2014/main" id="{453BA191-30EE-4474-88C4-8FD6A835614E}"/>
+                </a:ext>
+              </a:extLst>
+            </p:cNvPr>
+            <p:cNvPicPr>
+              <a:picLocks noChangeAspect="1"/>
+            </p:cNvPicPr>
+            <p:nvPr/>
+          </p:nvPicPr>
+          <p:blipFill>
+            <a:blip r:embed="rId2"/>
+            <a:stretch>
+              <a:fillRect/>
+            </a:stretch>
+          </p:blipFill>
+          <p:spPr>
+            <a:xfrm>
+              <a:off x="473080" y="321173"/>
+              <a:ext cx="10736173" cy="5915851"/>
+            </a:xfrm>
+            <a:prstGeom prst="rect">
+              <a:avLst/>
+            </a:prstGeom>
+          </p:spPr>
+        </p:pic>
+        <p:sp>
+          <p:nvSpPr>
+            <p:cNvPr id="6" name="Arrow: Down 5">
+              <a:extLst>
+                <a:ext uri="{FF2B5EF4-FFF2-40B4-BE49-F238E27FC236}">
+                  <a16:creationId xmlns:a16="http://schemas.microsoft.com/office/drawing/2014/main" id="{005E39FB-FA22-4123-BE68-0089AF55BBA4}"/>
+                </a:ext>
+              </a:extLst>
+            </p:cNvPr>
+            <p:cNvSpPr/>
+            <p:nvPr/>
+          </p:nvSpPr>
+          <p:spPr>
+            <a:xfrm rot="2228271">
+              <a:off x="8303649" y="1378175"/>
+              <a:ext cx="422031" cy="1378634"/>
+            </a:xfrm>
+            <a:prstGeom prst="downArrow">
+              <a:avLst/>
+            </a:prstGeom>
+            <a:solidFill>
+              <a:srgbClr val="FF0000"/>
+            </a:solidFill>
+            <a:ln>
+              <a:solidFill>
+                <a:schemeClr val="bg1"/>
+              </a:solidFill>
+            </a:ln>
+          </p:spPr>
+          <p:style>
+            <a:lnRef idx="2">
+              <a:schemeClr val="accent1">
+                <a:shade val="50000"/>
+              </a:schemeClr>
+            </a:lnRef>
+            <a:fillRef idx="1">
+              <a:schemeClr val="accent1"/>
+            </a:fillRef>
+            <a:effectRef idx="0">
+              <a:schemeClr val="accent1"/>
+            </a:effectRef>
+            <a:fontRef idx="minor">
+              <a:schemeClr val="lt1"/>
+            </a:fontRef>
+          </p:style>
+          <p:txBody>
+            <a:bodyPr rtlCol="0" anchor="ctr"/>
+            <a:lstStyle/>
+            <a:p>
+              <a:pPr algn="ctr"/>
+              <a:endParaRPr lang="en-US" dirty="0"/>
+            </a:p>
+          </p:txBody>
+        </p:sp>
+      </p:grpSp>
+    </p:spTree>
+    <p:extLst>
+      <p:ext uri="{BB962C8B-B14F-4D97-AF65-F5344CB8AC3E}">
+        <p14:creationId xmlns:p14="http://schemas.microsoft.com/office/powerpoint/2010/main" val="648828376"/>
       </p:ext>
     </p:extLst>
   </p:cSld>
